--- a/Powerpoints/Project Week_Pursuit of Happiness_v0.2.pptx
+++ b/Powerpoints/Project Week_Pursuit of Happiness_v0.2.pptx
@@ -21,8 +21,8 @@
     <p:sldId id="297" r:id="rId15"/>
     <p:sldId id="300" r:id="rId16"/>
     <p:sldId id="301" r:id="rId17"/>
-    <p:sldId id="296" r:id="rId18"/>
-    <p:sldId id="303" r:id="rId19"/>
+    <p:sldId id="303" r:id="rId18"/>
+    <p:sldId id="305" r:id="rId19"/>
     <p:sldId id="304" r:id="rId20"/>
     <p:sldId id="266" r:id="rId21"/>
     <p:sldId id="267" r:id="rId22"/>
@@ -159,8 +159,8 @@
             <p14:sldId id="297"/>
             <p14:sldId id="300"/>
             <p14:sldId id="301"/>
-            <p14:sldId id="296"/>
             <p14:sldId id="303"/>
+            <p14:sldId id="305"/>
             <p14:sldId id="304"/>
           </p14:sldIdLst>
         </p14:section>
@@ -1269,6 +1269,133 @@
       </pc:sldChg>
     </pc:docChg>
   </pc:docChgLst>
+  <pc:docChgLst>
+    <pc:chgData name="Shojaie, Sheri" userId="47fee82b-f055-4c7f-9882-34505c0b1ac8" providerId="ADAL" clId="{E1C00CBE-21B4-4D75-AD65-70103373EAA9}"/>
+    <pc:docChg chg="undo custSel addSld delSld modSld modSection">
+      <pc:chgData name="Shojaie, Sheri" userId="47fee82b-f055-4c7f-9882-34505c0b1ac8" providerId="ADAL" clId="{E1C00CBE-21B4-4D75-AD65-70103373EAA9}" dt="2020-06-29T22:51:34.424" v="96" actId="120"/>
+      <pc:docMkLst>
+        <pc:docMk/>
+      </pc:docMkLst>
+      <pc:sldChg chg="del">
+        <pc:chgData name="Shojaie, Sheri" userId="47fee82b-f055-4c7f-9882-34505c0b1ac8" providerId="ADAL" clId="{E1C00CBE-21B4-4D75-AD65-70103373EAA9}" dt="2020-06-29T22:47:33.418" v="0" actId="2696"/>
+        <pc:sldMkLst>
+          <pc:docMk/>
+          <pc:sldMk cId="1449297433" sldId="296"/>
+        </pc:sldMkLst>
+      </pc:sldChg>
+      <pc:sldChg chg="addSp delSp modSp add">
+        <pc:chgData name="Shojaie, Sheri" userId="47fee82b-f055-4c7f-9882-34505c0b1ac8" providerId="ADAL" clId="{E1C00CBE-21B4-4D75-AD65-70103373EAA9}" dt="2020-06-29T22:51:34.424" v="96" actId="120"/>
+        <pc:sldMkLst>
+          <pc:docMk/>
+          <pc:sldMk cId="3936194644" sldId="305"/>
+        </pc:sldMkLst>
+        <pc:spChg chg="del">
+          <ac:chgData name="Shojaie, Sheri" userId="47fee82b-f055-4c7f-9882-34505c0b1ac8" providerId="ADAL" clId="{E1C00CBE-21B4-4D75-AD65-70103373EAA9}" dt="2020-06-29T22:50:08.519" v="2" actId="478"/>
+          <ac:spMkLst>
+            <pc:docMk/>
+            <pc:sldMk cId="3936194644" sldId="305"/>
+            <ac:spMk id="2" creationId="{CA014D7B-7052-47DF-BE38-4A607FE6645B}"/>
+          </ac:spMkLst>
+        </pc:spChg>
+        <pc:spChg chg="del">
+          <ac:chgData name="Shojaie, Sheri" userId="47fee82b-f055-4c7f-9882-34505c0b1ac8" providerId="ADAL" clId="{E1C00CBE-21B4-4D75-AD65-70103373EAA9}" dt="2020-06-29T22:50:08.519" v="2" actId="478"/>
+          <ac:spMkLst>
+            <pc:docMk/>
+            <pc:sldMk cId="3936194644" sldId="305"/>
+            <ac:spMk id="3" creationId="{A1205943-A24E-48D5-8D74-7BBA60503412}"/>
+          </ac:spMkLst>
+        </pc:spChg>
+        <pc:spChg chg="add mod">
+          <ac:chgData name="Shojaie, Sheri" userId="47fee82b-f055-4c7f-9882-34505c0b1ac8" providerId="ADAL" clId="{E1C00CBE-21B4-4D75-AD65-70103373EAA9}" dt="2020-06-29T22:51:14.317" v="80" actId="1076"/>
+          <ac:spMkLst>
+            <pc:docMk/>
+            <pc:sldMk cId="3936194644" sldId="305"/>
+            <ac:spMk id="6" creationId="{0097C342-C358-47EC-9204-5C8E225E1AFC}"/>
+          </ac:spMkLst>
+        </pc:spChg>
+        <pc:spChg chg="add mod">
+          <ac:chgData name="Shojaie, Sheri" userId="47fee82b-f055-4c7f-9882-34505c0b1ac8" providerId="ADAL" clId="{E1C00CBE-21B4-4D75-AD65-70103373EAA9}" dt="2020-06-29T22:51:16.771" v="81" actId="1076"/>
+          <ac:spMkLst>
+            <pc:docMk/>
+            <pc:sldMk cId="3936194644" sldId="305"/>
+            <ac:spMk id="7" creationId="{A03F2F88-E4FF-46F5-AB4E-019553E56F6F}"/>
+          </ac:spMkLst>
+        </pc:spChg>
+        <pc:spChg chg="add mod">
+          <ac:chgData name="Shojaie, Sheri" userId="47fee82b-f055-4c7f-9882-34505c0b1ac8" providerId="ADAL" clId="{E1C00CBE-21B4-4D75-AD65-70103373EAA9}" dt="2020-06-29T22:51:34.424" v="96" actId="120"/>
+          <ac:spMkLst>
+            <pc:docMk/>
+            <pc:sldMk cId="3936194644" sldId="305"/>
+            <ac:spMk id="8" creationId="{6B42F1B6-979F-465C-8583-AE48FB2814A1}"/>
+          </ac:spMkLst>
+        </pc:spChg>
+        <pc:spChg chg="add mod">
+          <ac:chgData name="Shojaie, Sheri" userId="47fee82b-f055-4c7f-9882-34505c0b1ac8" providerId="ADAL" clId="{E1C00CBE-21B4-4D75-AD65-70103373EAA9}" dt="2020-06-29T22:51:20.268" v="88" actId="20577"/>
+          <ac:spMkLst>
+            <pc:docMk/>
+            <pc:sldMk cId="3936194644" sldId="305"/>
+            <ac:spMk id="9" creationId="{813A5E13-C760-4088-AB2E-88C6E2F0F412}"/>
+          </ac:spMkLst>
+        </pc:spChg>
+        <pc:spChg chg="add mod">
+          <ac:chgData name="Shojaie, Sheri" userId="47fee82b-f055-4c7f-9882-34505c0b1ac8" providerId="ADAL" clId="{E1C00CBE-21B4-4D75-AD65-70103373EAA9}" dt="2020-06-29T22:51:10.956" v="79" actId="1076"/>
+          <ac:spMkLst>
+            <pc:docMk/>
+            <pc:sldMk cId="3936194644" sldId="305"/>
+            <ac:spMk id="12" creationId="{C7EBAC11-F1EE-42DE-8489-F1F44EB9EEEC}"/>
+          </ac:spMkLst>
+        </pc:spChg>
+        <pc:spChg chg="add mod">
+          <ac:chgData name="Shojaie, Sheri" userId="47fee82b-f055-4c7f-9882-34505c0b1ac8" providerId="ADAL" clId="{E1C00CBE-21B4-4D75-AD65-70103373EAA9}" dt="2020-06-29T22:51:22.968" v="90" actId="571"/>
+          <ac:spMkLst>
+            <pc:docMk/>
+            <pc:sldMk cId="3936194644" sldId="305"/>
+            <ac:spMk id="14" creationId="{4BD41485-DB2F-43DF-92CE-EE4E282DE8C2}"/>
+          </ac:spMkLst>
+        </pc:spChg>
+        <pc:picChg chg="add mod">
+          <ac:chgData name="Shojaie, Sheri" userId="47fee82b-f055-4c7f-9882-34505c0b1ac8" providerId="ADAL" clId="{E1C00CBE-21B4-4D75-AD65-70103373EAA9}" dt="2020-06-29T22:50:55.915" v="15" actId="1076"/>
+          <ac:picMkLst>
+            <pc:docMk/>
+            <pc:sldMk cId="3936194644" sldId="305"/>
+            <ac:picMk id="4" creationId="{6320B615-8ADC-43AB-9E62-3CECC3D89DE7}"/>
+          </ac:picMkLst>
+        </pc:picChg>
+        <pc:picChg chg="add mod">
+          <ac:chgData name="Shojaie, Sheri" userId="47fee82b-f055-4c7f-9882-34505c0b1ac8" providerId="ADAL" clId="{E1C00CBE-21B4-4D75-AD65-70103373EAA9}" dt="2020-06-29T22:51:25.525" v="92" actId="1076"/>
+          <ac:picMkLst>
+            <pc:docMk/>
+            <pc:sldMk cId="3936194644" sldId="305"/>
+            <ac:picMk id="5" creationId="{1A409622-BA52-4F92-8750-1F2769234855}"/>
+          </ac:picMkLst>
+        </pc:picChg>
+        <pc:picChg chg="add mod">
+          <ac:chgData name="Shojaie, Sheri" userId="47fee82b-f055-4c7f-9882-34505c0b1ac8" providerId="ADAL" clId="{E1C00CBE-21B4-4D75-AD65-70103373EAA9}" dt="2020-06-29T22:50:55.915" v="15" actId="1076"/>
+          <ac:picMkLst>
+            <pc:docMk/>
+            <pc:sldMk cId="3936194644" sldId="305"/>
+            <ac:picMk id="10" creationId="{457775F0-B56D-4536-85D3-294CFF5E8802}"/>
+          </ac:picMkLst>
+        </pc:picChg>
+        <pc:picChg chg="add mod">
+          <ac:chgData name="Shojaie, Sheri" userId="47fee82b-f055-4c7f-9882-34505c0b1ac8" providerId="ADAL" clId="{E1C00CBE-21B4-4D75-AD65-70103373EAA9}" dt="2020-06-29T22:50:55.915" v="15" actId="1076"/>
+          <ac:picMkLst>
+            <pc:docMk/>
+            <pc:sldMk cId="3936194644" sldId="305"/>
+            <ac:picMk id="11" creationId="{0520273E-2C14-45AE-B48E-ED0D1B49A1A6}"/>
+          </ac:picMkLst>
+        </pc:picChg>
+        <pc:picChg chg="add mod">
+          <ac:chgData name="Shojaie, Sheri" userId="47fee82b-f055-4c7f-9882-34505c0b1ac8" providerId="ADAL" clId="{E1C00CBE-21B4-4D75-AD65-70103373EAA9}" dt="2020-06-29T22:51:22.968" v="90" actId="571"/>
+          <ac:picMkLst>
+            <pc:docMk/>
+            <pc:sldMk cId="3936194644" sldId="305"/>
+            <ac:picMk id="13" creationId="{9337F654-26F1-42DF-901D-1C1142505309}"/>
+          </ac:picMkLst>
+        </pc:picChg>
+      </pc:sldChg>
+    </pc:docChg>
+  </pc:docChgLst>
 </pc:chgInfo>
 </file>
 
@@ -1354,7 +1481,7 @@
           <a:p>
             <a:fld id="{53A15A6B-0A0F-4082-B539-F53EC1EBDB3B}" type="datetimeFigureOut">
               <a:rPr lang="en-CA" smtClean="0"/>
-              <a:t>6/28/2020</a:t>
+              <a:t>6/29/2020</a:t>
             </a:fld>
             <a:endParaRPr lang="en-CA"/>
           </a:p>
@@ -2186,7 +2313,7 @@
           <a:p>
             <a:fld id="{1CE87501-5085-4364-BE08-740F2101A68E}" type="datetimeFigureOut">
               <a:rPr lang="en-CA" smtClean="0"/>
-              <a:t>6/28/2020</a:t>
+              <a:t>6/29/2020</a:t>
             </a:fld>
             <a:endParaRPr lang="en-CA"/>
           </a:p>
@@ -2365,7 +2492,7 @@
           <a:p>
             <a:fld id="{1CE87501-5085-4364-BE08-740F2101A68E}" type="datetimeFigureOut">
               <a:rPr lang="en-CA" smtClean="0"/>
-              <a:t>6/28/2020</a:t>
+              <a:t>6/29/2020</a:t>
             </a:fld>
             <a:endParaRPr lang="en-CA"/>
           </a:p>
@@ -2545,7 +2672,7 @@
           <a:p>
             <a:fld id="{1CE87501-5085-4364-BE08-740F2101A68E}" type="datetimeFigureOut">
               <a:rPr lang="en-CA" smtClean="0"/>
-              <a:t>6/28/2020</a:t>
+              <a:t>6/29/2020</a:t>
             </a:fld>
             <a:endParaRPr lang="en-CA"/>
           </a:p>
@@ -2715,7 +2842,7 @@
           <a:p>
             <a:fld id="{1CE87501-5085-4364-BE08-740F2101A68E}" type="datetimeFigureOut">
               <a:rPr lang="en-CA" smtClean="0"/>
-              <a:t>6/28/2020</a:t>
+              <a:t>6/29/2020</a:t>
             </a:fld>
             <a:endParaRPr lang="en-CA"/>
           </a:p>
@@ -3028,7 +3155,7 @@
           <a:p>
             <a:fld id="{1CE87501-5085-4364-BE08-740F2101A68E}" type="datetimeFigureOut">
               <a:rPr lang="en-CA" smtClean="0"/>
-              <a:t>6/28/2020</a:t>
+              <a:t>6/29/2020</a:t>
             </a:fld>
             <a:endParaRPr lang="en-CA"/>
           </a:p>
@@ -3414,7 +3541,7 @@
           <a:p>
             <a:fld id="{1CE87501-5085-4364-BE08-740F2101A68E}" type="datetimeFigureOut">
               <a:rPr lang="en-CA" smtClean="0"/>
-              <a:t>6/28/2020</a:t>
+              <a:t>6/29/2020</a:t>
             </a:fld>
             <a:endParaRPr lang="en-CA"/>
           </a:p>
@@ -3848,7 +3975,7 @@
           <a:p>
             <a:fld id="{1CE87501-5085-4364-BE08-740F2101A68E}" type="datetimeFigureOut">
               <a:rPr lang="en-CA" smtClean="0"/>
-              <a:t>6/28/2020</a:t>
+              <a:t>6/29/2020</a:t>
             </a:fld>
             <a:endParaRPr lang="en-CA"/>
           </a:p>
@@ -3966,7 +4093,7 @@
           <a:p>
             <a:fld id="{1CE87501-5085-4364-BE08-740F2101A68E}" type="datetimeFigureOut">
               <a:rPr lang="en-CA" smtClean="0"/>
-              <a:t>6/28/2020</a:t>
+              <a:t>6/29/2020</a:t>
             </a:fld>
             <a:endParaRPr lang="en-CA"/>
           </a:p>
@@ -4061,7 +4188,7 @@
           <a:p>
             <a:fld id="{1CE87501-5085-4364-BE08-740F2101A68E}" type="datetimeFigureOut">
               <a:rPr lang="en-CA" smtClean="0"/>
-              <a:t>6/28/2020</a:t>
+              <a:t>6/29/2020</a:t>
             </a:fld>
             <a:endParaRPr lang="en-CA"/>
           </a:p>
@@ -4411,7 +4538,7 @@
           <a:p>
             <a:fld id="{1CE87501-5085-4364-BE08-740F2101A68E}" type="datetimeFigureOut">
               <a:rPr lang="en-CA" smtClean="0"/>
-              <a:t>6/28/2020</a:t>
+              <a:t>6/29/2020</a:t>
             </a:fld>
             <a:endParaRPr lang="en-CA"/>
           </a:p>
@@ -4836,7 +4963,7 @@
           <a:p>
             <a:fld id="{1CE87501-5085-4364-BE08-740F2101A68E}" type="datetimeFigureOut">
               <a:rPr lang="en-CA" smtClean="0"/>
-              <a:t>6/28/2020</a:t>
+              <a:t>6/29/2020</a:t>
             </a:fld>
             <a:endParaRPr lang="en-CA"/>
           </a:p>
@@ -5117,7 +5244,7 @@
           <a:p>
             <a:fld id="{1CE87501-5085-4364-BE08-740F2101A68E}" type="datetimeFigureOut">
               <a:rPr lang="en-CA" smtClean="0"/>
-              <a:t>6/28/2020</a:t>
+              <a:t>6/29/2020</a:t>
             </a:fld>
             <a:endParaRPr lang="en-CA"/>
           </a:p>
@@ -7699,12 +7826,42 @@
           <a:chExt cx="0" cy="0"/>
         </a:xfrm>
       </p:grpSpPr>
-      <p:sp>
-        <p:nvSpPr>
-          <p:cNvPr id="5" name="Rectangle 4">
+      <p:pic>
+        <p:nvPicPr>
+          <p:cNvPr id="9" name="Picture 8">
             <a:extLst>
               <a:ext uri="{FF2B5EF4-FFF2-40B4-BE49-F238E27FC236}">
-                <a16:creationId xmlns:a16="http://schemas.microsoft.com/office/drawing/2014/main" id="{C2E85EFB-2539-4678-9BF7-B5AC9BFC41F4}"/>
+                <a16:creationId xmlns:a16="http://schemas.microsoft.com/office/drawing/2014/main" id="{12C86E9E-E9F8-4563-8ED9-3CDD4F74D12B}"/>
+              </a:ext>
+            </a:extLst>
+          </p:cNvPr>
+          <p:cNvPicPr>
+            <a:picLocks noChangeAspect="1"/>
+          </p:cNvPicPr>
+          <p:nvPr/>
+        </p:nvPicPr>
+        <p:blipFill>
+          <a:blip r:embed="rId2"/>
+          <a:stretch>
+            <a:fillRect/>
+          </a:stretch>
+        </p:blipFill>
+        <p:spPr>
+          <a:xfrm>
+            <a:off x="4893973" y="2181203"/>
+            <a:ext cx="6607464" cy="3317985"/>
+          </a:xfrm>
+          <a:prstGeom prst="rect">
+            <a:avLst/>
+          </a:prstGeom>
+        </p:spPr>
+      </p:pic>
+      <p:sp>
+        <p:nvSpPr>
+          <p:cNvPr id="8" name="Rectangle 7">
+            <a:extLst>
+              <a:ext uri="{FF2B5EF4-FFF2-40B4-BE49-F238E27FC236}">
+                <a16:creationId xmlns:a16="http://schemas.microsoft.com/office/drawing/2014/main" id="{AB65C920-0062-436D-B668-2CD0467749E2}"/>
               </a:ext>
             </a:extLst>
           </p:cNvPr>
@@ -7713,8 +7870,60 @@
         </p:nvSpPr>
         <p:spPr>
           <a:xfrm>
-            <a:off x="-481693" y="607075"/>
-            <a:ext cx="11870871" cy="861774"/>
+            <a:off x="4290122" y="-13063"/>
+            <a:ext cx="4762052" cy="338396"/>
+          </a:xfrm>
+          <a:prstGeom prst="rect">
+            <a:avLst/>
+          </a:prstGeom>
+          <a:solidFill>
+            <a:srgbClr val="00B0F0"/>
+          </a:solidFill>
+        </p:spPr>
+        <p:style>
+          <a:lnRef idx="2">
+            <a:schemeClr val="accent1">
+              <a:shade val="50000"/>
+            </a:schemeClr>
+          </a:lnRef>
+          <a:fillRef idx="1">
+            <a:schemeClr val="accent1"/>
+          </a:fillRef>
+          <a:effectRef idx="0">
+            <a:schemeClr val="accent1"/>
+          </a:effectRef>
+          <a:fontRef idx="minor">
+            <a:schemeClr val="lt1"/>
+          </a:fontRef>
+        </p:style>
+        <p:txBody>
+          <a:bodyPr rtlCol="0" anchor="ctr"/>
+          <a:lstStyle/>
+          <a:p>
+            <a:pPr algn="ctr"/>
+            <a:r>
+              <a:rPr lang="en-US" dirty="0"/>
+              <a:t>Question 7</a:t>
+            </a:r>
+          </a:p>
+        </p:txBody>
+      </p:sp>
+      <p:sp>
+        <p:nvSpPr>
+          <p:cNvPr id="3" name="Rectangle 2">
+            <a:extLst>
+              <a:ext uri="{FF2B5EF4-FFF2-40B4-BE49-F238E27FC236}">
+                <a16:creationId xmlns:a16="http://schemas.microsoft.com/office/drawing/2014/main" id="{E197A961-3853-4664-BADD-1E535E019048}"/>
+              </a:ext>
+            </a:extLst>
+          </p:cNvPr>
+          <p:cNvSpPr/>
+          <p:nvPr/>
+        </p:nvSpPr>
+        <p:spPr>
+          <a:xfrm>
+            <a:off x="-481693" y="799435"/>
+            <a:ext cx="11870871" cy="477054"/>
           </a:xfrm>
           <a:prstGeom prst="rect">
             <a:avLst/>
@@ -7756,69 +7965,17 @@
                   <a:schemeClr val="tx1"/>
                 </a:solidFill>
               </a:rPr>
-              <a:t>Have these countries (outlier (poor but happier) happy countries) always been happy? </a:t>
+              <a:t>How does Canada compare? </a:t>
             </a:r>
           </a:p>
         </p:txBody>
       </p:sp>
-      <p:sp>
-        <p:nvSpPr>
-          <p:cNvPr id="15" name="Rectangle 14">
+      <p:pic>
+        <p:nvPicPr>
+          <p:cNvPr id="11" name="Picture 10" descr="A close up of a map&#10;&#10;Description automatically generated">
             <a:extLst>
               <a:ext uri="{FF2B5EF4-FFF2-40B4-BE49-F238E27FC236}">
-                <a16:creationId xmlns:a16="http://schemas.microsoft.com/office/drawing/2014/main" id="{5CB1006A-DB24-4C2F-B5B7-E3C5A99DABDB}"/>
-              </a:ext>
-            </a:extLst>
-          </p:cNvPr>
-          <p:cNvSpPr/>
-          <p:nvPr/>
-        </p:nvSpPr>
-        <p:spPr>
-          <a:xfrm>
-            <a:off x="4290122" y="-13063"/>
-            <a:ext cx="4762052" cy="338396"/>
-          </a:xfrm>
-          <a:prstGeom prst="rect">
-            <a:avLst/>
-          </a:prstGeom>
-          <a:solidFill>
-            <a:srgbClr val="00B0F0"/>
-          </a:solidFill>
-        </p:spPr>
-        <p:style>
-          <a:lnRef idx="2">
-            <a:schemeClr val="accent1">
-              <a:shade val="50000"/>
-            </a:schemeClr>
-          </a:lnRef>
-          <a:fillRef idx="1">
-            <a:schemeClr val="accent1"/>
-          </a:fillRef>
-          <a:effectRef idx="0">
-            <a:schemeClr val="accent1"/>
-          </a:effectRef>
-          <a:fontRef idx="minor">
-            <a:schemeClr val="lt1"/>
-          </a:fontRef>
-        </p:style>
-        <p:txBody>
-          <a:bodyPr rtlCol="0" anchor="ctr"/>
-          <a:lstStyle/>
-          <a:p>
-            <a:pPr algn="ctr"/>
-            <a:r>
-              <a:rPr lang="en-US" dirty="0"/>
-              <a:t>Question 6</a:t>
-            </a:r>
-          </a:p>
-        </p:txBody>
-      </p:sp>
-      <p:pic>
-        <p:nvPicPr>
-          <p:cNvPr id="18" name="Picture 17" descr="A close up of a map&#10;&#10;Description automatically generated">
-            <a:extLst>
-              <a:ext uri="{FF2B5EF4-FFF2-40B4-BE49-F238E27FC236}">
-                <a16:creationId xmlns:a16="http://schemas.microsoft.com/office/drawing/2014/main" id="{C9D9B098-FC72-44B6-84F0-1D469BF9A372}"/>
+                <a16:creationId xmlns:a16="http://schemas.microsoft.com/office/drawing/2014/main" id="{BC824932-2E85-4970-AF8A-30477459AE2B}"/>
               </a:ext>
             </a:extLst>
           </p:cNvPr>
@@ -7827,98 +7984,31 @@
           </p:cNvPicPr>
           <p:nvPr/>
         </p:nvPicPr>
-        <p:blipFill>
-          <a:blip r:embed="rId2">
+        <p:blipFill rotWithShape="1">
+          <a:blip r:embed="rId3">
             <a:extLst>
               <a:ext uri="{28A0092B-C50C-407E-A947-70E740481C1C}">
                 <a14:useLocalDpi xmlns:a14="http://schemas.microsoft.com/office/drawing/2010/main" val="0"/>
               </a:ext>
             </a:extLst>
           </a:blip>
-          <a:stretch>
-            <a:fillRect/>
-          </a:stretch>
+          <a:srcRect r="6669"/>
+          <a:stretch/>
         </p:blipFill>
         <p:spPr>
           <a:xfrm>
-            <a:off x="247650" y="1590675"/>
-            <a:ext cx="4857915" cy="4250675"/>
+            <a:off x="247651" y="1590675"/>
+            <a:ext cx="4533900" cy="4250675"/>
           </a:xfrm>
           <a:prstGeom prst="rect">
             <a:avLst/>
           </a:prstGeom>
         </p:spPr>
       </p:pic>
-      <p:pic>
-        <p:nvPicPr>
-          <p:cNvPr id="23" name="Picture 22">
-            <a:extLst>
-              <a:ext uri="{FF2B5EF4-FFF2-40B4-BE49-F238E27FC236}">
-                <a16:creationId xmlns:a16="http://schemas.microsoft.com/office/drawing/2014/main" id="{A99C3020-6631-4F7E-86CD-B17078559DCC}"/>
-              </a:ext>
-            </a:extLst>
-          </p:cNvPr>
-          <p:cNvPicPr>
-            <a:picLocks noChangeAspect="1"/>
-          </p:cNvPicPr>
-          <p:nvPr/>
-        </p:nvPicPr>
-        <p:blipFill>
-          <a:blip r:embed="rId3"/>
-          <a:stretch>
-            <a:fillRect/>
-          </a:stretch>
-        </p:blipFill>
-        <p:spPr>
-          <a:xfrm>
-            <a:off x="4905375" y="2114528"/>
-            <a:ext cx="6596062" cy="3386397"/>
-          </a:xfrm>
-          <a:prstGeom prst="rect">
-            <a:avLst/>
-          </a:prstGeom>
-        </p:spPr>
-      </p:pic>
-      <p:cxnSp>
-        <p:nvCxnSpPr>
-          <p:cNvPr id="26" name="Straight Connector 25">
-            <a:extLst>
-              <a:ext uri="{FF2B5EF4-FFF2-40B4-BE49-F238E27FC236}">
-                <a16:creationId xmlns:a16="http://schemas.microsoft.com/office/drawing/2014/main" id="{BE03C745-08B9-4C81-B499-422FE8CF6B52}"/>
-              </a:ext>
-            </a:extLst>
-          </p:cNvPr>
-          <p:cNvCxnSpPr/>
-          <p:nvPr/>
-        </p:nvCxnSpPr>
-        <p:spPr>
-          <a:xfrm>
-            <a:off x="4657725" y="2324100"/>
-            <a:ext cx="7372350" cy="0"/>
-          </a:xfrm>
-          <a:prstGeom prst="line">
-            <a:avLst/>
-          </a:prstGeom>
-        </p:spPr>
-        <p:style>
-          <a:lnRef idx="1">
-            <a:schemeClr val="accent1"/>
-          </a:lnRef>
-          <a:fillRef idx="0">
-            <a:schemeClr val="accent1"/>
-          </a:fillRef>
-          <a:effectRef idx="0">
-            <a:schemeClr val="accent1"/>
-          </a:effectRef>
-          <a:fontRef idx="minor">
-            <a:schemeClr val="tx1"/>
-          </a:fontRef>
-        </p:style>
-      </p:cxnSp>
     </p:spTree>
     <p:extLst>
       <p:ext uri="{BB962C8B-B14F-4D97-AF65-F5344CB8AC3E}">
-        <p14:creationId xmlns:p14="http://schemas.microsoft.com/office/powerpoint/2010/main" val="1449297433"/>
+        <p14:creationId xmlns:p14="http://schemas.microsoft.com/office/powerpoint/2010/main" val="628639603"/>
       </p:ext>
     </p:extLst>
   </p:cSld>
@@ -7947,10 +8037,10 @@
       </p:grpSpPr>
       <p:pic>
         <p:nvPicPr>
-          <p:cNvPr id="9" name="Picture 8">
+          <p:cNvPr id="4" name="Picture 3" descr="A close up of a device&#10;&#10;Description automatically generated">
             <a:extLst>
               <a:ext uri="{FF2B5EF4-FFF2-40B4-BE49-F238E27FC236}">
-                <a16:creationId xmlns:a16="http://schemas.microsoft.com/office/drawing/2014/main" id="{12C86E9E-E9F8-4563-8ED9-3CDD4F74D12B}"/>
+                <a16:creationId xmlns:a16="http://schemas.microsoft.com/office/drawing/2014/main" id="{6320B615-8ADC-43AB-9E62-3CECC3D89DE7}"/>
               </a:ext>
             </a:extLst>
           </p:cNvPr>
@@ -7960,15 +8050,51 @@
           <p:nvPr/>
         </p:nvPicPr>
         <p:blipFill>
-          <a:blip r:embed="rId2"/>
+          <a:blip r:embed="rId2">
+            <a:extLst>
+              <a:ext uri="{28A0092B-C50C-407E-A947-70E740481C1C}">
+                <a14:useLocalDpi xmlns:a14="http://schemas.microsoft.com/office/drawing/2010/main" val="0"/>
+              </a:ext>
+            </a:extLst>
+          </a:blip>
           <a:stretch>
             <a:fillRect/>
           </a:stretch>
         </p:blipFill>
         <p:spPr>
           <a:xfrm>
-            <a:off x="4893973" y="2181203"/>
-            <a:ext cx="6607464" cy="3317985"/>
+            <a:off x="5841088" y="317590"/>
+            <a:ext cx="5174924" cy="3104954"/>
+          </a:xfrm>
+          <a:prstGeom prst="rect">
+            <a:avLst/>
+          </a:prstGeom>
+        </p:spPr>
+      </p:pic>
+      <p:pic>
+        <p:nvPicPr>
+          <p:cNvPr id="5" name="Picture 4">
+            <a:extLst>
+              <a:ext uri="{FF2B5EF4-FFF2-40B4-BE49-F238E27FC236}">
+                <a16:creationId xmlns:a16="http://schemas.microsoft.com/office/drawing/2014/main" id="{1A409622-BA52-4F92-8750-1F2769234855}"/>
+              </a:ext>
+            </a:extLst>
+          </p:cNvPr>
+          <p:cNvPicPr>
+            <a:picLocks noChangeAspect="1"/>
+          </p:cNvPicPr>
+          <p:nvPr/>
+        </p:nvPicPr>
+        <p:blipFill>
+          <a:blip r:embed="rId3"/>
+          <a:stretch>
+            <a:fillRect/>
+          </a:stretch>
+        </p:blipFill>
+        <p:spPr>
+          <a:xfrm>
+            <a:off x="333150" y="1180865"/>
+            <a:ext cx="4712696" cy="4762500"/>
           </a:xfrm>
           <a:prstGeom prst="rect">
             <a:avLst/>
@@ -7977,10 +8103,10 @@
       </p:pic>
       <p:sp>
         <p:nvSpPr>
-          <p:cNvPr id="8" name="Rectangle 7">
+          <p:cNvPr id="6" name="Oval 5">
             <a:extLst>
               <a:ext uri="{FF2B5EF4-FFF2-40B4-BE49-F238E27FC236}">
-                <a16:creationId xmlns:a16="http://schemas.microsoft.com/office/drawing/2014/main" id="{AB65C920-0062-436D-B668-2CD0467749E2}"/>
+                <a16:creationId xmlns:a16="http://schemas.microsoft.com/office/drawing/2014/main" id="{0097C342-C358-47EC-9204-5C8E225E1AFC}"/>
               </a:ext>
             </a:extLst>
           </p:cNvPr>
@@ -7989,15 +8115,18 @@
         </p:nvSpPr>
         <p:spPr>
           <a:xfrm>
-            <a:off x="4290122" y="-13063"/>
-            <a:ext cx="4762052" cy="338396"/>
-          </a:xfrm>
-          <a:prstGeom prst="rect">
+            <a:off x="4199676" y="2171568"/>
+            <a:ext cx="333375" cy="333375"/>
+          </a:xfrm>
+          <a:prstGeom prst="ellipse">
             <a:avLst/>
           </a:prstGeom>
-          <a:solidFill>
-            <a:srgbClr val="00B0F0"/>
-          </a:solidFill>
+          <a:noFill/>
+          <a:ln>
+            <a:solidFill>
+              <a:srgbClr val="C00000"/>
+            </a:solidFill>
+          </a:ln>
         </p:spPr>
         <p:style>
           <a:lnRef idx="2">
@@ -8020,19 +8149,16 @@
           <a:lstStyle/>
           <a:p>
             <a:pPr algn="ctr"/>
-            <a:r>
-              <a:rPr lang="en-US" dirty="0"/>
-              <a:t>Question 7</a:t>
-            </a:r>
+            <a:endParaRPr lang="en-CA"/>
           </a:p>
         </p:txBody>
       </p:sp>
       <p:sp>
         <p:nvSpPr>
-          <p:cNvPr id="3" name="Rectangle 2">
+          <p:cNvPr id="7" name="Oval 6">
             <a:extLst>
               <a:ext uri="{FF2B5EF4-FFF2-40B4-BE49-F238E27FC236}">
-                <a16:creationId xmlns:a16="http://schemas.microsoft.com/office/drawing/2014/main" id="{E197A961-3853-4664-BADD-1E535E019048}"/>
+                <a16:creationId xmlns:a16="http://schemas.microsoft.com/office/drawing/2014/main" id="{A03F2F88-E4FF-46F5-AB4E-019553E56F6F}"/>
               </a:ext>
             </a:extLst>
           </p:cNvPr>
@@ -8041,8 +8167,60 @@
         </p:nvSpPr>
         <p:spPr>
           <a:xfrm>
-            <a:off x="-481693" y="799435"/>
-            <a:ext cx="11870871" cy="477054"/>
+            <a:off x="3977175" y="1841026"/>
+            <a:ext cx="333375" cy="333375"/>
+          </a:xfrm>
+          <a:prstGeom prst="ellipse">
+            <a:avLst/>
+          </a:prstGeom>
+          <a:noFill/>
+          <a:ln>
+            <a:solidFill>
+              <a:srgbClr val="C00000"/>
+            </a:solidFill>
+          </a:ln>
+        </p:spPr>
+        <p:style>
+          <a:lnRef idx="2">
+            <a:schemeClr val="accent1">
+              <a:shade val="50000"/>
+            </a:schemeClr>
+          </a:lnRef>
+          <a:fillRef idx="1">
+            <a:schemeClr val="accent1"/>
+          </a:fillRef>
+          <a:effectRef idx="0">
+            <a:schemeClr val="accent1"/>
+          </a:effectRef>
+          <a:fontRef idx="minor">
+            <a:schemeClr val="lt1"/>
+          </a:fontRef>
+        </p:style>
+        <p:txBody>
+          <a:bodyPr rtlCol="0" anchor="ctr"/>
+          <a:lstStyle/>
+          <a:p>
+            <a:pPr algn="ctr"/>
+            <a:endParaRPr lang="en-CA"/>
+          </a:p>
+        </p:txBody>
+      </p:sp>
+      <p:sp>
+        <p:nvSpPr>
+          <p:cNvPr id="8" name="Rectangle 7">
+            <a:extLst>
+              <a:ext uri="{FF2B5EF4-FFF2-40B4-BE49-F238E27FC236}">
+                <a16:creationId xmlns:a16="http://schemas.microsoft.com/office/drawing/2014/main" id="{6B42F1B6-979F-465C-8583-AE48FB2814A1}"/>
+              </a:ext>
+            </a:extLst>
+          </p:cNvPr>
+          <p:cNvSpPr/>
+          <p:nvPr/>
+        </p:nvSpPr>
+        <p:spPr>
+          <a:xfrm>
+            <a:off x="4468162" y="2114418"/>
+            <a:ext cx="628650" cy="114300"/>
           </a:xfrm>
           <a:prstGeom prst="rect">
             <a:avLst/>
@@ -8069,32 +8247,105 @@
           </a:fontRef>
         </p:style>
         <p:txBody>
-          <a:bodyPr wrap="square" rtlCol="0" anchor="ctr">
-            <a:spAutoFit/>
-          </a:bodyPr>
+          <a:bodyPr wrap="none" rtlCol="0" anchor="ctr"/>
           <a:lstStyle/>
           <a:p>
-            <a:pPr marL="1428750" lvl="2" indent="-514350">
-              <a:buFont typeface="Arial" panose="020B0604020202020204" pitchFamily="34" charset="0"/>
-              <a:buChar char="•"/>
-            </a:pPr>
-            <a:r>
-              <a:rPr lang="en-US" sz="2500" dirty="0">
+            <a:r>
+              <a:rPr lang="en-US" sz="900" dirty="0">
                 <a:solidFill>
-                  <a:schemeClr val="tx1"/>
+                  <a:schemeClr val="tx1">
+                    <a:lumMod val="75000"/>
+                    <a:lumOff val="25000"/>
+                  </a:schemeClr>
                 </a:solidFill>
               </a:rPr>
-              <a:t>How does Canada compare? </a:t>
-            </a:r>
+              <a:t>US</a:t>
+            </a:r>
+            <a:endParaRPr lang="en-CA" sz="900" dirty="0">
+              <a:solidFill>
+                <a:schemeClr val="tx1">
+                  <a:lumMod val="75000"/>
+                  <a:lumOff val="25000"/>
+                </a:schemeClr>
+              </a:solidFill>
+            </a:endParaRPr>
+          </a:p>
+        </p:txBody>
+      </p:sp>
+      <p:sp>
+        <p:nvSpPr>
+          <p:cNvPr id="9" name="Rectangle 8">
+            <a:extLst>
+              <a:ext uri="{FF2B5EF4-FFF2-40B4-BE49-F238E27FC236}">
+                <a16:creationId xmlns:a16="http://schemas.microsoft.com/office/drawing/2014/main" id="{813A5E13-C760-4088-AB2E-88C6E2F0F412}"/>
+              </a:ext>
+            </a:extLst>
+          </p:cNvPr>
+          <p:cNvSpPr/>
+          <p:nvPr/>
+        </p:nvSpPr>
+        <p:spPr>
+          <a:xfrm>
+            <a:off x="4281189" y="1812917"/>
+            <a:ext cx="628650" cy="114300"/>
+          </a:xfrm>
+          <a:prstGeom prst="rect">
+            <a:avLst/>
+          </a:prstGeom>
+          <a:noFill/>
+          <a:ln>
+            <a:noFill/>
+          </a:ln>
+        </p:spPr>
+        <p:style>
+          <a:lnRef idx="2">
+            <a:schemeClr val="accent1">
+              <a:shade val="50000"/>
+            </a:schemeClr>
+          </a:lnRef>
+          <a:fillRef idx="1">
+            <a:schemeClr val="accent1"/>
+          </a:fillRef>
+          <a:effectRef idx="0">
+            <a:schemeClr val="accent1"/>
+          </a:effectRef>
+          <a:fontRef idx="minor">
+            <a:schemeClr val="lt1"/>
+          </a:fontRef>
+        </p:style>
+        <p:txBody>
+          <a:bodyPr wrap="none" rtlCol="0" anchor="ctr"/>
+          <a:lstStyle/>
+          <a:p>
+            <a:pPr algn="ctr"/>
+            <a:r>
+              <a:rPr lang="en-US" sz="900" dirty="0">
+                <a:solidFill>
+                  <a:schemeClr val="tx1">
+                    <a:lumMod val="75000"/>
+                    <a:lumOff val="25000"/>
+                  </a:schemeClr>
+                </a:solidFill>
+              </a:rPr>
+              <a:t>Canada</a:t>
+            </a:r>
+            <a:endParaRPr lang="en-CA" sz="900" dirty="0">
+              <a:solidFill>
+                <a:schemeClr val="tx1">
+                  <a:lumMod val="75000"/>
+                  <a:lumOff val="25000"/>
+                </a:schemeClr>
+              </a:solidFill>
+            </a:endParaRPr>
           </a:p>
         </p:txBody>
       </p:sp>
       <p:pic>
         <p:nvPicPr>
-          <p:cNvPr id="11" name="Picture 10" descr="A close up of a map&#10;&#10;Description automatically generated">
+          <p:cNvPr id="10" name="Picture 9" descr="A screenshot of a cell phone&#10;&#10;Description automatically generated">
             <a:extLst>
               <a:ext uri="{FF2B5EF4-FFF2-40B4-BE49-F238E27FC236}">
-                <a16:creationId xmlns:a16="http://schemas.microsoft.com/office/drawing/2014/main" id="{BC824932-2E85-4970-AF8A-30477459AE2B}"/>
+                <a16:creationId xmlns:a16="http://schemas.microsoft.com/office/drawing/2014/main" id="{457775F0-B56D-4536-85D3-294CFF5E8802}"/>
               </a:ext>
             </a:extLst>
           </p:cNvPr>
@@ -8103,31 +8354,122 @@
           </p:cNvPicPr>
           <p:nvPr/>
         </p:nvPicPr>
-        <p:blipFill rotWithShape="1">
-          <a:blip r:embed="rId3">
+        <p:blipFill>
+          <a:blip r:embed="rId4">
             <a:extLst>
               <a:ext uri="{28A0092B-C50C-407E-A947-70E740481C1C}">
                 <a14:useLocalDpi xmlns:a14="http://schemas.microsoft.com/office/drawing/2010/main" val="0"/>
               </a:ext>
             </a:extLst>
           </a:blip>
-          <a:srcRect r="6669"/>
-          <a:stretch/>
+          <a:stretch>
+            <a:fillRect/>
+          </a:stretch>
         </p:blipFill>
         <p:spPr>
           <a:xfrm>
-            <a:off x="247651" y="1590675"/>
-            <a:ext cx="4533900" cy="4250675"/>
+            <a:off x="5776429" y="3674692"/>
+            <a:ext cx="2444590" cy="2444590"/>
           </a:xfrm>
           <a:prstGeom prst="rect">
             <a:avLst/>
           </a:prstGeom>
         </p:spPr>
       </p:pic>
+      <p:pic>
+        <p:nvPicPr>
+          <p:cNvPr id="11" name="Picture 10" descr="A screenshot of a cell phone&#10;&#10;Description automatically generated">
+            <a:extLst>
+              <a:ext uri="{FF2B5EF4-FFF2-40B4-BE49-F238E27FC236}">
+                <a16:creationId xmlns:a16="http://schemas.microsoft.com/office/drawing/2014/main" id="{0520273E-2C14-45AE-B48E-ED0D1B49A1A6}"/>
+              </a:ext>
+            </a:extLst>
+          </p:cNvPr>
+          <p:cNvPicPr>
+            <a:picLocks noChangeAspect="1"/>
+          </p:cNvPicPr>
+          <p:nvPr/>
+        </p:nvPicPr>
+        <p:blipFill>
+          <a:blip r:embed="rId5">
+            <a:extLst>
+              <a:ext uri="{28A0092B-C50C-407E-A947-70E740481C1C}">
+                <a14:useLocalDpi xmlns:a14="http://schemas.microsoft.com/office/drawing/2010/main" val="0"/>
+              </a:ext>
+            </a:extLst>
+          </a:blip>
+          <a:stretch>
+            <a:fillRect/>
+          </a:stretch>
+        </p:blipFill>
+        <p:spPr>
+          <a:xfrm>
+            <a:off x="8703292" y="3674692"/>
+            <a:ext cx="2444590" cy="2444590"/>
+          </a:xfrm>
+          <a:prstGeom prst="rect">
+            <a:avLst/>
+          </a:prstGeom>
+        </p:spPr>
+      </p:pic>
+      <p:sp>
+        <p:nvSpPr>
+          <p:cNvPr id="12" name="Rectangle 11">
+            <a:extLst>
+              <a:ext uri="{FF2B5EF4-FFF2-40B4-BE49-F238E27FC236}">
+                <a16:creationId xmlns:a16="http://schemas.microsoft.com/office/drawing/2014/main" id="{C7EBAC11-F1EE-42DE-8489-F1F44EB9EEEC}"/>
+              </a:ext>
+            </a:extLst>
+          </p:cNvPr>
+          <p:cNvSpPr/>
+          <p:nvPr/>
+        </p:nvSpPr>
+        <p:spPr>
+          <a:xfrm>
+            <a:off x="6957003" y="1711989"/>
+            <a:ext cx="3127760" cy="2922662"/>
+          </a:xfrm>
+          <a:prstGeom prst="rect">
+            <a:avLst/>
+          </a:prstGeom>
+        </p:spPr>
+        <p:style>
+          <a:lnRef idx="2">
+            <a:schemeClr val="accent1">
+              <a:shade val="50000"/>
+            </a:schemeClr>
+          </a:lnRef>
+          <a:fillRef idx="1">
+            <a:schemeClr val="accent1"/>
+          </a:fillRef>
+          <a:effectRef idx="0">
+            <a:schemeClr val="accent1"/>
+          </a:effectRef>
+          <a:fontRef idx="minor">
+            <a:schemeClr val="lt1"/>
+          </a:fontRef>
+        </p:style>
+        <p:txBody>
+          <a:bodyPr rtlCol="0" anchor="ctr"/>
+          <a:lstStyle/>
+          <a:p>
+            <a:pPr algn="ctr"/>
+            <a:r>
+              <a:rPr lang="en-US" dirty="0" err="1"/>
+              <a:t>Eben</a:t>
+            </a:r>
+            <a:r>
+              <a:rPr lang="en-US" dirty="0"/>
+              <a:t> recreate for US vs Canada only </a:t>
+            </a:r>
+            <a:endParaRPr lang="en-CA" dirty="0"/>
+          </a:p>
+        </p:txBody>
+      </p:sp>
     </p:spTree>
     <p:extLst>
       <p:ext uri="{BB962C8B-B14F-4D97-AF65-F5344CB8AC3E}">
-        <p14:creationId xmlns:p14="http://schemas.microsoft.com/office/powerpoint/2010/main" val="628639603"/>
+        <p14:creationId xmlns:p14="http://schemas.microsoft.com/office/powerpoint/2010/main" val="3936194644"/>
       </p:ext>
     </p:extLst>
   </p:cSld>
@@ -18869,18 +19211,18 @@
 </file>
 
 <file path=customXml/item1.xml><?xml version="1.0" encoding="utf-8"?>
+<p:properties xmlns:p="http://schemas.microsoft.com/office/2006/metadata/properties" xmlns:xsi="http://www.w3.org/2001/XMLSchema-instance" xmlns:pc="http://schemas.microsoft.com/office/infopath/2007/PartnerControls">
+  <documentManagement/>
+</p:properties>
+</file>
+
+<file path=customXml/item2.xml><?xml version="1.0" encoding="utf-8"?>
 <?mso-contentType ?>
 <FormTemplates xmlns="http://schemas.microsoft.com/sharepoint/v3/contenttype/forms">
   <Display>DocumentLibraryForm</Display>
   <Edit>DocumentLibraryForm</Edit>
   <New>DocumentLibraryForm</New>
 </FormTemplates>
-</file>
-
-<file path=customXml/item2.xml><?xml version="1.0" encoding="utf-8"?>
-<p:properties xmlns:p="http://schemas.microsoft.com/office/2006/metadata/properties" xmlns:xsi="http://www.w3.org/2001/XMLSchema-instance" xmlns:pc="http://schemas.microsoft.com/office/infopath/2007/PartnerControls">
-  <documentManagement/>
-</p:properties>
 </file>
 
 <file path=customXml/item3.xml><?xml version="1.0" encoding="utf-8"?>
@@ -19068,25 +19410,25 @@
 </file>
 
 <file path=customXml/itemProps1.xml><?xml version="1.0" encoding="utf-8"?>
-<ds:datastoreItem xmlns:ds="http://schemas.openxmlformats.org/officeDocument/2006/customXml" ds:itemID="{3904CAA2-17EE-4D1B-B452-69CC0BB5016B}">
+<ds:datastoreItem xmlns:ds="http://schemas.openxmlformats.org/officeDocument/2006/customXml" ds:itemID="{A3D29A05-72E6-4F99-88B9-7A95D1A09BDF}">
   <ds:schemaRefs>
-    <ds:schemaRef ds:uri="http://schemas.microsoft.com/sharepoint/v3/contenttype/forms"/>
+    <ds:schemaRef ds:uri="http://schemas.microsoft.com/office/2006/documentManagement/types"/>
+    <ds:schemaRef ds:uri="http://purl.org/dc/elements/1.1/"/>
+    <ds:schemaRef ds:uri="http://schemas.microsoft.com/office/2006/metadata/properties"/>
+    <ds:schemaRef ds:uri="http://schemas.openxmlformats.org/package/2006/metadata/core-properties"/>
+    <ds:schemaRef ds:uri="http://schemas.microsoft.com/office/infopath/2007/PartnerControls"/>
+    <ds:schemaRef ds:uri="http://purl.org/dc/terms/"/>
+    <ds:schemaRef ds:uri="e1016093-e49d-4fde-a266-0160fb5d213d"/>
+    <ds:schemaRef ds:uri="http://www.w3.org/XML/1998/namespace"/>
+    <ds:schemaRef ds:uri="http://purl.org/dc/dcmitype/"/>
   </ds:schemaRefs>
 </ds:datastoreItem>
 </file>
 
 <file path=customXml/itemProps2.xml><?xml version="1.0" encoding="utf-8"?>
-<ds:datastoreItem xmlns:ds="http://schemas.openxmlformats.org/officeDocument/2006/customXml" ds:itemID="{A3D29A05-72E6-4F99-88B9-7A95D1A09BDF}">
+<ds:datastoreItem xmlns:ds="http://schemas.openxmlformats.org/officeDocument/2006/customXml" ds:itemID="{3904CAA2-17EE-4D1B-B452-69CC0BB5016B}">
   <ds:schemaRefs>
-    <ds:schemaRef ds:uri="http://schemas.microsoft.com/office/infopath/2007/PartnerControls"/>
-    <ds:schemaRef ds:uri="e1016093-e49d-4fde-a266-0160fb5d213d"/>
-    <ds:schemaRef ds:uri="http://purl.org/dc/elements/1.1/"/>
-    <ds:schemaRef ds:uri="http://schemas.microsoft.com/office/2006/metadata/properties"/>
-    <ds:schemaRef ds:uri="http://purl.org/dc/terms/"/>
-    <ds:schemaRef ds:uri="http://schemas.openxmlformats.org/package/2006/metadata/core-properties"/>
-    <ds:schemaRef ds:uri="http://schemas.microsoft.com/office/2006/documentManagement/types"/>
-    <ds:schemaRef ds:uri="http://www.w3.org/XML/1998/namespace"/>
-    <ds:schemaRef ds:uri="http://purl.org/dc/dcmitype/"/>
+    <ds:schemaRef ds:uri="http://schemas.microsoft.com/sharepoint/v3/contenttype/forms"/>
   </ds:schemaRefs>
 </ds:datastoreItem>
 </file>
